--- a/srs/Report.pptx
+++ b/srs/Report.pptx
@@ -6,12 +6,23 @@
   </p:sldMasterIdLst>
   <p:sldIdLst>
     <p:sldId id="256" r:id="rId2"/>
-    <p:sldId id="257" r:id="rId3"/>
-    <p:sldId id="259" r:id="rId4"/>
-    <p:sldId id="258" r:id="rId5"/>
-    <p:sldId id="260" r:id="rId6"/>
-    <p:sldId id="261" r:id="rId7"/>
-    <p:sldId id="262" r:id="rId8"/>
+    <p:sldId id="263" r:id="rId3"/>
+    <p:sldId id="264" r:id="rId4"/>
+    <p:sldId id="257" r:id="rId5"/>
+    <p:sldId id="259" r:id="rId6"/>
+    <p:sldId id="258" r:id="rId7"/>
+    <p:sldId id="266" r:id="rId8"/>
+    <p:sldId id="265" r:id="rId9"/>
+    <p:sldId id="267" r:id="rId10"/>
+    <p:sldId id="268" r:id="rId11"/>
+    <p:sldId id="269" r:id="rId12"/>
+    <p:sldId id="271" r:id="rId13"/>
+    <p:sldId id="272" r:id="rId14"/>
+    <p:sldId id="260" r:id="rId15"/>
+    <p:sldId id="273" r:id="rId16"/>
+    <p:sldId id="274" r:id="rId17"/>
+    <p:sldId id="261" r:id="rId18"/>
+    <p:sldId id="262" r:id="rId19"/>
   </p:sldIdLst>
   <p:sldSz cx="12192000" cy="6858000"/>
   <p:notesSz cx="6858000" cy="9144000"/>
@@ -110,6 +121,11 @@
       </a:defRPr>
     </a:lvl9pPr>
   </p:defaultTextStyle>
+  <p:extLst>
+    <p:ext uri="{EFAFB233-063F-42B5-8137-9DF3F51BA10A}">
+      <p15:sldGuideLst xmlns:p15="http://schemas.microsoft.com/office/powerpoint/2012/main"/>
+    </p:ext>
+  </p:extLst>
 </p:presentation>
 </file>
 
@@ -244,7 +260,7 @@
           <a:p>
             <a:fld id="{D5EFA96F-A359-4FB1-ABD5-D9D24C03AF04}" type="datetimeFigureOut">
               <a:rPr lang="ko-KR" altLang="en-US" smtClean="0"/>
-              <a:t>2018-01-03</a:t>
+              <a:t>2018-01-04</a:t>
             </a:fld>
             <a:endParaRPr lang="ko-KR" altLang="en-US"/>
           </a:p>
@@ -414,7 +430,7 @@
           <a:p>
             <a:fld id="{D5EFA96F-A359-4FB1-ABD5-D9D24C03AF04}" type="datetimeFigureOut">
               <a:rPr lang="ko-KR" altLang="en-US" smtClean="0"/>
-              <a:t>2018-01-03</a:t>
+              <a:t>2018-01-04</a:t>
             </a:fld>
             <a:endParaRPr lang="ko-KR" altLang="en-US"/>
           </a:p>
@@ -594,7 +610,7 @@
           <a:p>
             <a:fld id="{D5EFA96F-A359-4FB1-ABD5-D9D24C03AF04}" type="datetimeFigureOut">
               <a:rPr lang="ko-KR" altLang="en-US" smtClean="0"/>
-              <a:t>2018-01-03</a:t>
+              <a:t>2018-01-04</a:t>
             </a:fld>
             <a:endParaRPr lang="ko-KR" altLang="en-US"/>
           </a:p>
@@ -764,7 +780,7 @@
           <a:p>
             <a:fld id="{D5EFA96F-A359-4FB1-ABD5-D9D24C03AF04}" type="datetimeFigureOut">
               <a:rPr lang="ko-KR" altLang="en-US" smtClean="0"/>
-              <a:t>2018-01-03</a:t>
+              <a:t>2018-01-04</a:t>
             </a:fld>
             <a:endParaRPr lang="ko-KR" altLang="en-US"/>
           </a:p>
@@ -1010,7 +1026,7 @@
           <a:p>
             <a:fld id="{D5EFA96F-A359-4FB1-ABD5-D9D24C03AF04}" type="datetimeFigureOut">
               <a:rPr lang="ko-KR" altLang="en-US" smtClean="0"/>
-              <a:t>2018-01-03</a:t>
+              <a:t>2018-01-04</a:t>
             </a:fld>
             <a:endParaRPr lang="ko-KR" altLang="en-US"/>
           </a:p>
@@ -1242,7 +1258,7 @@
           <a:p>
             <a:fld id="{D5EFA96F-A359-4FB1-ABD5-D9D24C03AF04}" type="datetimeFigureOut">
               <a:rPr lang="ko-KR" altLang="en-US" smtClean="0"/>
-              <a:t>2018-01-03</a:t>
+              <a:t>2018-01-04</a:t>
             </a:fld>
             <a:endParaRPr lang="ko-KR" altLang="en-US"/>
           </a:p>
@@ -1609,7 +1625,7 @@
           <a:p>
             <a:fld id="{D5EFA96F-A359-4FB1-ABD5-D9D24C03AF04}" type="datetimeFigureOut">
               <a:rPr lang="ko-KR" altLang="en-US" smtClean="0"/>
-              <a:t>2018-01-03</a:t>
+              <a:t>2018-01-04</a:t>
             </a:fld>
             <a:endParaRPr lang="ko-KR" altLang="en-US"/>
           </a:p>
@@ -1727,7 +1743,7 @@
           <a:p>
             <a:fld id="{D5EFA96F-A359-4FB1-ABD5-D9D24C03AF04}" type="datetimeFigureOut">
               <a:rPr lang="ko-KR" altLang="en-US" smtClean="0"/>
-              <a:t>2018-01-03</a:t>
+              <a:t>2018-01-04</a:t>
             </a:fld>
             <a:endParaRPr lang="ko-KR" altLang="en-US"/>
           </a:p>
@@ -1822,7 +1838,7 @@
           <a:p>
             <a:fld id="{D5EFA96F-A359-4FB1-ABD5-D9D24C03AF04}" type="datetimeFigureOut">
               <a:rPr lang="ko-KR" altLang="en-US" smtClean="0"/>
-              <a:t>2018-01-03</a:t>
+              <a:t>2018-01-04</a:t>
             </a:fld>
             <a:endParaRPr lang="ko-KR" altLang="en-US"/>
           </a:p>
@@ -2099,7 +2115,7 @@
           <a:p>
             <a:fld id="{D5EFA96F-A359-4FB1-ABD5-D9D24C03AF04}" type="datetimeFigureOut">
               <a:rPr lang="ko-KR" altLang="en-US" smtClean="0"/>
-              <a:t>2018-01-03</a:t>
+              <a:t>2018-01-04</a:t>
             </a:fld>
             <a:endParaRPr lang="ko-KR" altLang="en-US"/>
           </a:p>
@@ -2356,7 +2372,7 @@
           <a:p>
             <a:fld id="{D5EFA96F-A359-4FB1-ABD5-D9D24C03AF04}" type="datetimeFigureOut">
               <a:rPr lang="ko-KR" altLang="en-US" smtClean="0"/>
-              <a:t>2018-01-03</a:t>
+              <a:t>2018-01-04</a:t>
             </a:fld>
             <a:endParaRPr lang="ko-KR" altLang="en-US"/>
           </a:p>
@@ -2569,7 +2585,7 @@
           <a:p>
             <a:fld id="{D5EFA96F-A359-4FB1-ABD5-D9D24C03AF04}" type="datetimeFigureOut">
               <a:rPr lang="ko-KR" altLang="en-US" smtClean="0"/>
-              <a:t>2018-01-03</a:t>
+              <a:t>2018-01-04</a:t>
             </a:fld>
             <a:endParaRPr lang="ko-KR" altLang="en-US"/>
           </a:p>
@@ -3071,6 +3087,1063 @@
 </p:sld>
 </file>
 
+<file path=ppt/slides/slide10.xml><?xml version="1.0" encoding="utf-8"?>
+<p:sld xmlns:a="http://schemas.openxmlformats.org/drawingml/2006/main" xmlns:r="http://schemas.openxmlformats.org/officeDocument/2006/relationships" xmlns:p="http://schemas.openxmlformats.org/presentationml/2006/main">
+  <p:cSld>
+    <p:spTree>
+      <p:nvGrpSpPr>
+        <p:cNvPr id="1" name=""/>
+        <p:cNvGrpSpPr/>
+        <p:nvPr/>
+      </p:nvGrpSpPr>
+      <p:grpSpPr>
+        <a:xfrm>
+          <a:off x="0" y="0"/>
+          <a:ext cx="0" cy="0"/>
+          <a:chOff x="0" y="0"/>
+          <a:chExt cx="0" cy="0"/>
+        </a:xfrm>
+      </p:grpSpPr>
+      <p:sp>
+        <p:nvSpPr>
+          <p:cNvPr id="2" name="제목 1"/>
+          <p:cNvSpPr>
+            <a:spLocks noGrp="1"/>
+          </p:cNvSpPr>
+          <p:nvPr>
+            <p:ph type="title"/>
+          </p:nvPr>
+        </p:nvSpPr>
+        <p:spPr>
+          <a:xfrm>
+            <a:off x="0" y="0"/>
+            <a:ext cx="10515600" cy="1325563"/>
+          </a:xfrm>
+        </p:spPr>
+        <p:txBody>
+          <a:bodyPr/>
+          <a:lstStyle/>
+          <a:p>
+            <a:r>
+              <a:rPr lang="en-US" altLang="ko-KR" dirty="0" smtClean="0"/>
+              <a:t>GUI[Delete an old drug information]</a:t>
+            </a:r>
+            <a:endParaRPr lang="ko-KR" altLang="en-US" dirty="0"/>
+          </a:p>
+        </p:txBody>
+      </p:sp>
+      <p:pic>
+        <p:nvPicPr>
+          <p:cNvPr id="5" name="그림 4"/>
+          <p:cNvPicPr>
+            <a:picLocks noChangeAspect="1"/>
+          </p:cNvPicPr>
+          <p:nvPr/>
+        </p:nvPicPr>
+        <p:blipFill>
+          <a:blip r:embed="rId2"/>
+          <a:stretch>
+            <a:fillRect/>
+          </a:stretch>
+        </p:blipFill>
+        <p:spPr>
+          <a:xfrm>
+            <a:off x="353611" y="1077166"/>
+            <a:ext cx="10358800" cy="5611017"/>
+          </a:xfrm>
+          <a:prstGeom prst="rect">
+            <a:avLst/>
+          </a:prstGeom>
+        </p:spPr>
+      </p:pic>
+      <p:pic>
+        <p:nvPicPr>
+          <p:cNvPr id="6" name="그림 5"/>
+          <p:cNvPicPr>
+            <a:picLocks noChangeAspect="1"/>
+          </p:cNvPicPr>
+          <p:nvPr/>
+        </p:nvPicPr>
+        <p:blipFill>
+          <a:blip r:embed="rId3"/>
+          <a:stretch>
+            <a:fillRect/>
+          </a:stretch>
+        </p:blipFill>
+        <p:spPr>
+          <a:xfrm>
+            <a:off x="353611" y="950095"/>
+            <a:ext cx="10593392" cy="5738088"/>
+          </a:xfrm>
+          <a:prstGeom prst="rect">
+            <a:avLst/>
+          </a:prstGeom>
+        </p:spPr>
+      </p:pic>
+      <p:pic>
+        <p:nvPicPr>
+          <p:cNvPr id="7" name="그림 6"/>
+          <p:cNvPicPr>
+            <a:picLocks noChangeAspect="1"/>
+          </p:cNvPicPr>
+          <p:nvPr/>
+        </p:nvPicPr>
+        <p:blipFill>
+          <a:blip r:embed="rId4"/>
+          <a:stretch>
+            <a:fillRect/>
+          </a:stretch>
+        </p:blipFill>
+        <p:spPr>
+          <a:xfrm>
+            <a:off x="426208" y="989419"/>
+            <a:ext cx="10448198" cy="5659440"/>
+          </a:xfrm>
+          <a:prstGeom prst="rect">
+            <a:avLst/>
+          </a:prstGeom>
+        </p:spPr>
+      </p:pic>
+    </p:spTree>
+    <p:extLst>
+      <p:ext uri="{BB962C8B-B14F-4D97-AF65-F5344CB8AC3E}">
+        <p14:creationId xmlns:p14="http://schemas.microsoft.com/office/powerpoint/2010/main" val="1151211298"/>
+      </p:ext>
+    </p:extLst>
+  </p:cSld>
+  <p:clrMapOvr>
+    <a:masterClrMapping/>
+  </p:clrMapOvr>
+</p:sld>
+</file>
+
+<file path=ppt/slides/slide11.xml><?xml version="1.0" encoding="utf-8"?>
+<p:sld xmlns:a="http://schemas.openxmlformats.org/drawingml/2006/main" xmlns:r="http://schemas.openxmlformats.org/officeDocument/2006/relationships" xmlns:p="http://schemas.openxmlformats.org/presentationml/2006/main">
+  <p:cSld>
+    <p:spTree>
+      <p:nvGrpSpPr>
+        <p:cNvPr id="1" name=""/>
+        <p:cNvGrpSpPr/>
+        <p:nvPr/>
+      </p:nvGrpSpPr>
+      <p:grpSpPr>
+        <a:xfrm>
+          <a:off x="0" y="0"/>
+          <a:ext cx="0" cy="0"/>
+          <a:chOff x="0" y="0"/>
+          <a:chExt cx="0" cy="0"/>
+        </a:xfrm>
+      </p:grpSpPr>
+      <p:sp>
+        <p:nvSpPr>
+          <p:cNvPr id="2" name="제목 1"/>
+          <p:cNvSpPr>
+            <a:spLocks noGrp="1"/>
+          </p:cNvSpPr>
+          <p:nvPr>
+            <p:ph type="title"/>
+          </p:nvPr>
+        </p:nvSpPr>
+        <p:spPr>
+          <a:xfrm>
+            <a:off x="0" y="0"/>
+            <a:ext cx="10515600" cy="1325563"/>
+          </a:xfrm>
+        </p:spPr>
+        <p:txBody>
+          <a:bodyPr/>
+          <a:lstStyle/>
+          <a:p>
+            <a:r>
+              <a:rPr lang="en-US" altLang="ko-KR" dirty="0" smtClean="0"/>
+              <a:t>GUI[Save as an XML file]</a:t>
+            </a:r>
+            <a:endParaRPr lang="ko-KR" altLang="en-US" dirty="0"/>
+          </a:p>
+        </p:txBody>
+      </p:sp>
+      <p:pic>
+        <p:nvPicPr>
+          <p:cNvPr id="5" name="그림 4"/>
+          <p:cNvPicPr>
+            <a:picLocks noChangeAspect="1"/>
+          </p:cNvPicPr>
+          <p:nvPr/>
+        </p:nvPicPr>
+        <p:blipFill>
+          <a:blip r:embed="rId2"/>
+          <a:stretch>
+            <a:fillRect/>
+          </a:stretch>
+        </p:blipFill>
+        <p:spPr>
+          <a:xfrm>
+            <a:off x="353611" y="1077166"/>
+            <a:ext cx="10358800" cy="5611017"/>
+          </a:xfrm>
+          <a:prstGeom prst="rect">
+            <a:avLst/>
+          </a:prstGeom>
+        </p:spPr>
+      </p:pic>
+      <p:pic>
+        <p:nvPicPr>
+          <p:cNvPr id="6" name="그림 5"/>
+          <p:cNvPicPr>
+            <a:picLocks noChangeAspect="1"/>
+          </p:cNvPicPr>
+          <p:nvPr/>
+        </p:nvPicPr>
+        <p:blipFill>
+          <a:blip r:embed="rId3"/>
+          <a:stretch>
+            <a:fillRect/>
+          </a:stretch>
+        </p:blipFill>
+        <p:spPr>
+          <a:xfrm>
+            <a:off x="353611" y="950095"/>
+            <a:ext cx="10593392" cy="5738088"/>
+          </a:xfrm>
+          <a:prstGeom prst="rect">
+            <a:avLst/>
+          </a:prstGeom>
+        </p:spPr>
+      </p:pic>
+      <p:pic>
+        <p:nvPicPr>
+          <p:cNvPr id="7" name="그림 6"/>
+          <p:cNvPicPr>
+            <a:picLocks noChangeAspect="1"/>
+          </p:cNvPicPr>
+          <p:nvPr/>
+        </p:nvPicPr>
+        <p:blipFill>
+          <a:blip r:embed="rId4"/>
+          <a:stretch>
+            <a:fillRect/>
+          </a:stretch>
+        </p:blipFill>
+        <p:spPr>
+          <a:xfrm>
+            <a:off x="426208" y="989419"/>
+            <a:ext cx="10448198" cy="5659440"/>
+          </a:xfrm>
+          <a:prstGeom prst="rect">
+            <a:avLst/>
+          </a:prstGeom>
+        </p:spPr>
+      </p:pic>
+      <p:pic>
+        <p:nvPicPr>
+          <p:cNvPr id="3" name="그림 2"/>
+          <p:cNvPicPr>
+            <a:picLocks noChangeAspect="1"/>
+          </p:cNvPicPr>
+          <p:nvPr/>
+        </p:nvPicPr>
+        <p:blipFill>
+          <a:blip r:embed="rId5"/>
+          <a:stretch>
+            <a:fillRect/>
+          </a:stretch>
+        </p:blipFill>
+        <p:spPr>
+          <a:xfrm>
+            <a:off x="386067" y="945932"/>
+            <a:ext cx="10528480" cy="5702927"/>
+          </a:xfrm>
+          <a:prstGeom prst="rect">
+            <a:avLst/>
+          </a:prstGeom>
+        </p:spPr>
+      </p:pic>
+      <p:pic>
+        <p:nvPicPr>
+          <p:cNvPr id="4" name="그림 3"/>
+          <p:cNvPicPr>
+            <a:picLocks noChangeAspect="1"/>
+          </p:cNvPicPr>
+          <p:nvPr/>
+        </p:nvPicPr>
+        <p:blipFill>
+          <a:blip r:embed="rId6"/>
+          <a:stretch>
+            <a:fillRect/>
+          </a:stretch>
+        </p:blipFill>
+        <p:spPr>
+          <a:xfrm>
+            <a:off x="537553" y="1859447"/>
+            <a:ext cx="9990915" cy="4304419"/>
+          </a:xfrm>
+          <a:prstGeom prst="rect">
+            <a:avLst/>
+          </a:prstGeom>
+        </p:spPr>
+      </p:pic>
+      <p:pic>
+        <p:nvPicPr>
+          <p:cNvPr id="8" name="그림 7"/>
+          <p:cNvPicPr>
+            <a:picLocks noChangeAspect="1"/>
+          </p:cNvPicPr>
+          <p:nvPr/>
+        </p:nvPicPr>
+        <p:blipFill>
+          <a:blip r:embed="rId7"/>
+          <a:stretch>
+            <a:fillRect/>
+          </a:stretch>
+        </p:blipFill>
+        <p:spPr>
+          <a:xfrm>
+            <a:off x="2398715" y="965594"/>
+            <a:ext cx="7853549" cy="5702927"/>
+          </a:xfrm>
+          <a:prstGeom prst="rect">
+            <a:avLst/>
+          </a:prstGeom>
+        </p:spPr>
+      </p:pic>
+    </p:spTree>
+    <p:extLst>
+      <p:ext uri="{BB962C8B-B14F-4D97-AF65-F5344CB8AC3E}">
+        <p14:creationId xmlns:p14="http://schemas.microsoft.com/office/powerpoint/2010/main" val="3119712055"/>
+      </p:ext>
+    </p:extLst>
+  </p:cSld>
+  <p:clrMapOvr>
+    <a:masterClrMapping/>
+  </p:clrMapOvr>
+</p:sld>
+</file>
+
+<file path=ppt/slides/slide12.xml><?xml version="1.0" encoding="utf-8"?>
+<p:sld xmlns:a="http://schemas.openxmlformats.org/drawingml/2006/main" xmlns:r="http://schemas.openxmlformats.org/officeDocument/2006/relationships" xmlns:p="http://schemas.openxmlformats.org/presentationml/2006/main">
+  <p:cSld>
+    <p:spTree>
+      <p:nvGrpSpPr>
+        <p:cNvPr id="1" name=""/>
+        <p:cNvGrpSpPr/>
+        <p:nvPr/>
+      </p:nvGrpSpPr>
+      <p:grpSpPr>
+        <a:xfrm>
+          <a:off x="0" y="0"/>
+          <a:ext cx="0" cy="0"/>
+          <a:chOff x="0" y="0"/>
+          <a:chExt cx="0" cy="0"/>
+        </a:xfrm>
+      </p:grpSpPr>
+      <p:sp>
+        <p:nvSpPr>
+          <p:cNvPr id="2" name="제목 1"/>
+          <p:cNvSpPr>
+            <a:spLocks noGrp="1"/>
+          </p:cNvSpPr>
+          <p:nvPr>
+            <p:ph type="title"/>
+          </p:nvPr>
+        </p:nvSpPr>
+        <p:spPr>
+          <a:xfrm>
+            <a:off x="0" y="0"/>
+            <a:ext cx="10515600" cy="1325563"/>
+          </a:xfrm>
+        </p:spPr>
+        <p:txBody>
+          <a:bodyPr/>
+          <a:lstStyle/>
+          <a:p>
+            <a:r>
+              <a:rPr lang="en-US" altLang="ko-KR" dirty="0" smtClean="0"/>
+              <a:t>GUI[Load an old prescription record]</a:t>
+            </a:r>
+            <a:endParaRPr lang="ko-KR" altLang="en-US" dirty="0"/>
+          </a:p>
+        </p:txBody>
+      </p:sp>
+      <p:pic>
+        <p:nvPicPr>
+          <p:cNvPr id="9" name="그림 8"/>
+          <p:cNvPicPr>
+            <a:picLocks noChangeAspect="1"/>
+          </p:cNvPicPr>
+          <p:nvPr/>
+        </p:nvPicPr>
+        <p:blipFill>
+          <a:blip r:embed="rId2"/>
+          <a:stretch>
+            <a:fillRect/>
+          </a:stretch>
+        </p:blipFill>
+        <p:spPr>
+          <a:xfrm>
+            <a:off x="0" y="832685"/>
+            <a:ext cx="10128576" cy="5486312"/>
+          </a:xfrm>
+          <a:prstGeom prst="rect">
+            <a:avLst/>
+          </a:prstGeom>
+        </p:spPr>
+      </p:pic>
+      <p:pic>
+        <p:nvPicPr>
+          <p:cNvPr id="10" name="그림 9"/>
+          <p:cNvPicPr>
+            <a:picLocks noChangeAspect="1"/>
+          </p:cNvPicPr>
+          <p:nvPr/>
+        </p:nvPicPr>
+        <p:blipFill>
+          <a:blip r:embed="rId3"/>
+          <a:stretch>
+            <a:fillRect/>
+          </a:stretch>
+        </p:blipFill>
+        <p:spPr>
+          <a:xfrm>
+            <a:off x="1759636" y="1176586"/>
+            <a:ext cx="10345784" cy="5603966"/>
+          </a:xfrm>
+          <a:prstGeom prst="rect">
+            <a:avLst/>
+          </a:prstGeom>
+        </p:spPr>
+      </p:pic>
+    </p:spTree>
+    <p:extLst>
+      <p:ext uri="{BB962C8B-B14F-4D97-AF65-F5344CB8AC3E}">
+        <p14:creationId xmlns:p14="http://schemas.microsoft.com/office/powerpoint/2010/main" val="3269346893"/>
+      </p:ext>
+    </p:extLst>
+  </p:cSld>
+  <p:clrMapOvr>
+    <a:masterClrMapping/>
+  </p:clrMapOvr>
+</p:sld>
+</file>
+
+<file path=ppt/slides/slide13.xml><?xml version="1.0" encoding="utf-8"?>
+<p:sld xmlns:a="http://schemas.openxmlformats.org/drawingml/2006/main" xmlns:r="http://schemas.openxmlformats.org/officeDocument/2006/relationships" xmlns:p="http://schemas.openxmlformats.org/presentationml/2006/main">
+  <p:cSld>
+    <p:spTree>
+      <p:nvGrpSpPr>
+        <p:cNvPr id="1" name=""/>
+        <p:cNvGrpSpPr/>
+        <p:nvPr/>
+      </p:nvGrpSpPr>
+      <p:grpSpPr>
+        <a:xfrm>
+          <a:off x="0" y="0"/>
+          <a:ext cx="0" cy="0"/>
+          <a:chOff x="0" y="0"/>
+          <a:chExt cx="0" cy="0"/>
+        </a:xfrm>
+      </p:grpSpPr>
+      <p:sp>
+        <p:nvSpPr>
+          <p:cNvPr id="2" name="제목 1"/>
+          <p:cNvSpPr>
+            <a:spLocks noGrp="1"/>
+          </p:cNvSpPr>
+          <p:nvPr>
+            <p:ph type="title"/>
+          </p:nvPr>
+        </p:nvSpPr>
+        <p:spPr>
+          <a:xfrm>
+            <a:off x="0" y="1"/>
+            <a:ext cx="10515600" cy="497150"/>
+          </a:xfrm>
+        </p:spPr>
+        <p:txBody>
+          <a:bodyPr>
+            <a:normAutofit fontScale="90000"/>
+          </a:bodyPr>
+          <a:lstStyle/>
+          <a:p>
+            <a:r>
+              <a:rPr lang="en-US" altLang="ko-KR" sz="3200" dirty="0" smtClean="0"/>
+              <a:t>Code source[Save Function]</a:t>
+            </a:r>
+            <a:endParaRPr lang="ko-KR" altLang="en-US" sz="3200" dirty="0"/>
+          </a:p>
+        </p:txBody>
+      </p:sp>
+      <p:grpSp>
+        <p:nvGrpSpPr>
+          <p:cNvPr id="6" name="그룹 5"/>
+          <p:cNvGrpSpPr/>
+          <p:nvPr/>
+        </p:nvGrpSpPr>
+        <p:grpSpPr>
+          <a:xfrm>
+            <a:off x="0" y="1216241"/>
+            <a:ext cx="5815212" cy="5641759"/>
+            <a:chOff x="5007429" y="1427333"/>
+            <a:chExt cx="6996111" cy="6792742"/>
+          </a:xfrm>
+        </p:grpSpPr>
+        <p:pic>
+          <p:nvPicPr>
+            <p:cNvPr id="4" name="그림 3"/>
+            <p:cNvPicPr>
+              <a:picLocks noChangeAspect="1"/>
+            </p:cNvPicPr>
+            <p:nvPr/>
+          </p:nvPicPr>
+          <p:blipFill>
+            <a:blip r:embed="rId2"/>
+            <a:stretch>
+              <a:fillRect/>
+            </a:stretch>
+          </p:blipFill>
+          <p:spPr>
+            <a:xfrm>
+              <a:off x="5155474" y="1427333"/>
+              <a:ext cx="5532255" cy="2905831"/>
+            </a:xfrm>
+            <a:prstGeom prst="rect">
+              <a:avLst/>
+            </a:prstGeom>
+          </p:spPr>
+        </p:pic>
+        <p:pic>
+          <p:nvPicPr>
+            <p:cNvPr id="5" name="그림 4"/>
+            <p:cNvPicPr>
+              <a:picLocks noChangeAspect="1"/>
+            </p:cNvPicPr>
+            <p:nvPr/>
+          </p:nvPicPr>
+          <p:blipFill>
+            <a:blip r:embed="rId3"/>
+            <a:stretch>
+              <a:fillRect/>
+            </a:stretch>
+          </p:blipFill>
+          <p:spPr>
+            <a:xfrm>
+              <a:off x="5007429" y="4263495"/>
+              <a:ext cx="6996111" cy="3956580"/>
+            </a:xfrm>
+            <a:prstGeom prst="rect">
+              <a:avLst/>
+            </a:prstGeom>
+          </p:spPr>
+        </p:pic>
+      </p:grpSp>
+      <p:pic>
+        <p:nvPicPr>
+          <p:cNvPr id="7" name="그림 6"/>
+          <p:cNvPicPr>
+            <a:picLocks noChangeAspect="1"/>
+          </p:cNvPicPr>
+          <p:nvPr/>
+        </p:nvPicPr>
+        <p:blipFill>
+          <a:blip r:embed="rId4"/>
+          <a:stretch>
+            <a:fillRect/>
+          </a:stretch>
+        </p:blipFill>
+        <p:spPr>
+          <a:xfrm>
+            <a:off x="6446863" y="1393793"/>
+            <a:ext cx="5745137" cy="5228343"/>
+          </a:xfrm>
+          <a:prstGeom prst="rect">
+            <a:avLst/>
+          </a:prstGeom>
+        </p:spPr>
+      </p:pic>
+      <p:sp>
+        <p:nvSpPr>
+          <p:cNvPr id="8" name="제목 1"/>
+          <p:cNvSpPr txBox="1">
+            <a:spLocks/>
+          </p:cNvSpPr>
+          <p:nvPr/>
+        </p:nvSpPr>
+        <p:spPr>
+          <a:xfrm>
+            <a:off x="0" y="608121"/>
+            <a:ext cx="4536489" cy="497150"/>
+          </a:xfrm>
+          <a:prstGeom prst="rect">
+            <a:avLst/>
+          </a:prstGeom>
+        </p:spPr>
+        <p:txBody>
+          <a:bodyPr vert="horz" lIns="91440" tIns="45720" rIns="91440" bIns="45720" rtlCol="0" anchor="ctr">
+            <a:normAutofit fontScale="97500"/>
+          </a:bodyPr>
+          <a:lstStyle>
+            <a:lvl1pPr algn="l" defTabSz="914400" rtl="0" eaLnBrk="1" latinLnBrk="1" hangingPunct="1">
+              <a:lnSpc>
+                <a:spcPct val="90000"/>
+              </a:lnSpc>
+              <a:spcBef>
+                <a:spcPct val="0"/>
+              </a:spcBef>
+              <a:buNone/>
+              <a:defRPr sz="4400" kern="1200">
+                <a:solidFill>
+                  <a:schemeClr val="tx1"/>
+                </a:solidFill>
+                <a:latin typeface="+mj-lt"/>
+                <a:ea typeface="+mj-ea"/>
+                <a:cs typeface="+mj-cs"/>
+              </a:defRPr>
+            </a:lvl1pPr>
+          </a:lstStyle>
+          <a:p>
+            <a:r>
+              <a:rPr lang="en-US" altLang="ko-KR" sz="2400" u="sng" dirty="0" smtClean="0"/>
+              <a:t>Make prescription model</a:t>
+            </a:r>
+            <a:endParaRPr lang="ko-KR" altLang="en-US" sz="2400" u="sng" dirty="0"/>
+          </a:p>
+        </p:txBody>
+      </p:sp>
+      <p:sp>
+        <p:nvSpPr>
+          <p:cNvPr id="9" name="제목 1"/>
+          <p:cNvSpPr txBox="1">
+            <a:spLocks/>
+          </p:cNvSpPr>
+          <p:nvPr/>
+        </p:nvSpPr>
+        <p:spPr>
+          <a:xfrm>
+            <a:off x="6313503" y="719091"/>
+            <a:ext cx="4536489" cy="497150"/>
+          </a:xfrm>
+          <a:prstGeom prst="rect">
+            <a:avLst/>
+          </a:prstGeom>
+        </p:spPr>
+        <p:txBody>
+          <a:bodyPr vert="horz" lIns="91440" tIns="45720" rIns="91440" bIns="45720" rtlCol="0" anchor="ctr">
+            <a:normAutofit fontScale="97500"/>
+          </a:bodyPr>
+          <a:lstStyle>
+            <a:lvl1pPr algn="l" defTabSz="914400" rtl="0" eaLnBrk="1" latinLnBrk="1" hangingPunct="1">
+              <a:lnSpc>
+                <a:spcPct val="90000"/>
+              </a:lnSpc>
+              <a:spcBef>
+                <a:spcPct val="0"/>
+              </a:spcBef>
+              <a:buNone/>
+              <a:defRPr sz="4400" kern="1200">
+                <a:solidFill>
+                  <a:schemeClr val="tx1"/>
+                </a:solidFill>
+                <a:latin typeface="+mj-lt"/>
+                <a:ea typeface="+mj-ea"/>
+                <a:cs typeface="+mj-cs"/>
+              </a:defRPr>
+            </a:lvl1pPr>
+          </a:lstStyle>
+          <a:p>
+            <a:r>
+              <a:rPr lang="en-US" altLang="ko-KR" sz="2400" u="sng" dirty="0" smtClean="0"/>
+              <a:t>Save as an xml file</a:t>
+            </a:r>
+            <a:endParaRPr lang="ko-KR" altLang="en-US" sz="2400" u="sng" dirty="0"/>
+          </a:p>
+        </p:txBody>
+      </p:sp>
+    </p:spTree>
+    <p:extLst>
+      <p:ext uri="{BB962C8B-B14F-4D97-AF65-F5344CB8AC3E}">
+        <p14:creationId xmlns:p14="http://schemas.microsoft.com/office/powerpoint/2010/main" val="934328217"/>
+      </p:ext>
+    </p:extLst>
+  </p:cSld>
+  <p:clrMapOvr>
+    <a:masterClrMapping/>
+  </p:clrMapOvr>
+</p:sld>
+</file>
+
+<file path=ppt/slides/slide14.xml><?xml version="1.0" encoding="utf-8"?>
+<p:sld xmlns:a="http://schemas.openxmlformats.org/drawingml/2006/main" xmlns:r="http://schemas.openxmlformats.org/officeDocument/2006/relationships" xmlns:p="http://schemas.openxmlformats.org/presentationml/2006/main">
+  <p:cSld>
+    <p:spTree>
+      <p:nvGrpSpPr>
+        <p:cNvPr id="1" name=""/>
+        <p:cNvGrpSpPr/>
+        <p:nvPr/>
+      </p:nvGrpSpPr>
+      <p:grpSpPr>
+        <a:xfrm>
+          <a:off x="0" y="0"/>
+          <a:ext cx="0" cy="0"/>
+          <a:chOff x="0" y="0"/>
+          <a:chExt cx="0" cy="0"/>
+        </a:xfrm>
+      </p:grpSpPr>
+      <p:sp>
+        <p:nvSpPr>
+          <p:cNvPr id="2" name="제목 1"/>
+          <p:cNvSpPr>
+            <a:spLocks noGrp="1"/>
+          </p:cNvSpPr>
+          <p:nvPr>
+            <p:ph type="title"/>
+          </p:nvPr>
+        </p:nvSpPr>
+        <p:spPr>
+          <a:xfrm>
+            <a:off x="0" y="1"/>
+            <a:ext cx="10515600" cy="692458"/>
+          </a:xfrm>
+        </p:spPr>
+        <p:txBody>
+          <a:bodyPr>
+            <a:normAutofit fontScale="90000"/>
+          </a:bodyPr>
+          <a:lstStyle/>
+          <a:p>
+            <a:r>
+              <a:rPr lang="en-US" altLang="ko-KR" dirty="0" smtClean="0"/>
+              <a:t>Test </a:t>
+            </a:r>
+            <a:r>
+              <a:rPr lang="en-US" altLang="ko-KR" dirty="0" smtClean="0"/>
+              <a:t>Report[Function Testing]</a:t>
+            </a:r>
+            <a:endParaRPr lang="ko-KR" altLang="en-US" dirty="0"/>
+          </a:p>
+        </p:txBody>
+      </p:sp>
+      <p:pic>
+        <p:nvPicPr>
+          <p:cNvPr id="8" name="그림 7"/>
+          <p:cNvPicPr>
+            <a:picLocks noChangeAspect="1"/>
+          </p:cNvPicPr>
+          <p:nvPr/>
+        </p:nvPicPr>
+        <p:blipFill>
+          <a:blip r:embed="rId2"/>
+          <a:stretch>
+            <a:fillRect/>
+          </a:stretch>
+        </p:blipFill>
+        <p:spPr>
+          <a:xfrm>
+            <a:off x="1372155" y="1224611"/>
+            <a:ext cx="8698753" cy="3503088"/>
+          </a:xfrm>
+          <a:prstGeom prst="rect">
+            <a:avLst/>
+          </a:prstGeom>
+        </p:spPr>
+      </p:pic>
+    </p:spTree>
+    <p:extLst>
+      <p:ext uri="{BB962C8B-B14F-4D97-AF65-F5344CB8AC3E}">
+        <p14:creationId xmlns:p14="http://schemas.microsoft.com/office/powerpoint/2010/main" val="3625061951"/>
+      </p:ext>
+    </p:extLst>
+  </p:cSld>
+  <p:clrMapOvr>
+    <a:masterClrMapping/>
+  </p:clrMapOvr>
+</p:sld>
+</file>
+
+<file path=ppt/slides/slide15.xml><?xml version="1.0" encoding="utf-8"?>
+<p:sld xmlns:a="http://schemas.openxmlformats.org/drawingml/2006/main" xmlns:r="http://schemas.openxmlformats.org/officeDocument/2006/relationships" xmlns:p="http://schemas.openxmlformats.org/presentationml/2006/main">
+  <p:cSld>
+    <p:spTree>
+      <p:nvGrpSpPr>
+        <p:cNvPr id="1" name=""/>
+        <p:cNvGrpSpPr/>
+        <p:nvPr/>
+      </p:nvGrpSpPr>
+      <p:grpSpPr>
+        <a:xfrm>
+          <a:off x="0" y="0"/>
+          <a:ext cx="0" cy="0"/>
+          <a:chOff x="0" y="0"/>
+          <a:chExt cx="0" cy="0"/>
+        </a:xfrm>
+      </p:grpSpPr>
+      <p:sp>
+        <p:nvSpPr>
+          <p:cNvPr id="2" name="제목 1"/>
+          <p:cNvSpPr>
+            <a:spLocks noGrp="1"/>
+          </p:cNvSpPr>
+          <p:nvPr>
+            <p:ph type="title"/>
+          </p:nvPr>
+        </p:nvSpPr>
+        <p:spPr>
+          <a:xfrm>
+            <a:off x="0" y="1"/>
+            <a:ext cx="10515600" cy="692458"/>
+          </a:xfrm>
+        </p:spPr>
+        <p:txBody>
+          <a:bodyPr>
+            <a:normAutofit fontScale="90000"/>
+          </a:bodyPr>
+          <a:lstStyle/>
+          <a:p>
+            <a:r>
+              <a:rPr lang="en-US" altLang="ko-KR" dirty="0" smtClean="0"/>
+              <a:t>Test </a:t>
+            </a:r>
+            <a:r>
+              <a:rPr lang="en-US" altLang="ko-KR" dirty="0" smtClean="0"/>
+              <a:t>Report[GUI Testing]</a:t>
+            </a:r>
+            <a:endParaRPr lang="ko-KR" altLang="en-US" dirty="0"/>
+          </a:p>
+        </p:txBody>
+      </p:sp>
+      <p:pic>
+        <p:nvPicPr>
+          <p:cNvPr id="8" name="내용 개체 틀 7"/>
+          <p:cNvPicPr>
+            <a:picLocks noGrp="1" noChangeAspect="1"/>
+          </p:cNvPicPr>
+          <p:nvPr>
+            <p:ph idx="1"/>
+          </p:nvPr>
+        </p:nvPicPr>
+        <p:blipFill>
+          <a:blip r:embed="rId2"/>
+          <a:stretch>
+            <a:fillRect/>
+          </a:stretch>
+        </p:blipFill>
+        <p:spPr>
+          <a:xfrm>
+            <a:off x="1189275" y="1884906"/>
+            <a:ext cx="8698753" cy="3466422"/>
+          </a:xfrm>
+          <a:prstGeom prst="rect">
+            <a:avLst/>
+          </a:prstGeom>
+        </p:spPr>
+      </p:pic>
+    </p:spTree>
+    <p:extLst>
+      <p:ext uri="{BB962C8B-B14F-4D97-AF65-F5344CB8AC3E}">
+        <p14:creationId xmlns:p14="http://schemas.microsoft.com/office/powerpoint/2010/main" val="2869825870"/>
+      </p:ext>
+    </p:extLst>
+  </p:cSld>
+  <p:clrMapOvr>
+    <a:masterClrMapping/>
+  </p:clrMapOvr>
+</p:sld>
+</file>
+
+<file path=ppt/slides/slide16.xml><?xml version="1.0" encoding="utf-8"?>
+<p:sld xmlns:a="http://schemas.openxmlformats.org/drawingml/2006/main" xmlns:r="http://schemas.openxmlformats.org/officeDocument/2006/relationships" xmlns:p="http://schemas.openxmlformats.org/presentationml/2006/main">
+  <p:cSld>
+    <p:spTree>
+      <p:nvGrpSpPr>
+        <p:cNvPr id="1" name=""/>
+        <p:cNvGrpSpPr/>
+        <p:nvPr/>
+      </p:nvGrpSpPr>
+      <p:grpSpPr>
+        <a:xfrm>
+          <a:off x="0" y="0"/>
+          <a:ext cx="0" cy="0"/>
+          <a:chOff x="0" y="0"/>
+          <a:chExt cx="0" cy="0"/>
+        </a:xfrm>
+      </p:grpSpPr>
+      <p:sp>
+        <p:nvSpPr>
+          <p:cNvPr id="2" name="제목 1"/>
+          <p:cNvSpPr>
+            <a:spLocks noGrp="1"/>
+          </p:cNvSpPr>
+          <p:nvPr>
+            <p:ph type="title"/>
+          </p:nvPr>
+        </p:nvSpPr>
+        <p:spPr>
+          <a:xfrm>
+            <a:off x="0" y="1"/>
+            <a:ext cx="10515600" cy="692458"/>
+          </a:xfrm>
+        </p:spPr>
+        <p:txBody>
+          <a:bodyPr>
+            <a:normAutofit fontScale="90000"/>
+          </a:bodyPr>
+          <a:lstStyle/>
+          <a:p>
+            <a:r>
+              <a:rPr lang="en-US" altLang="ko-KR" dirty="0" smtClean="0"/>
+              <a:t>Test </a:t>
+            </a:r>
+            <a:r>
+              <a:rPr lang="en-US" altLang="ko-KR" dirty="0" smtClean="0"/>
+              <a:t>Report[Testing]</a:t>
+            </a:r>
+            <a:endParaRPr lang="ko-KR" altLang="en-US" dirty="0"/>
+          </a:p>
+        </p:txBody>
+      </p:sp>
+      <p:pic>
+        <p:nvPicPr>
+          <p:cNvPr id="10" name="내용 개체 틀 9"/>
+          <p:cNvPicPr>
+            <a:picLocks noGrp="1" noChangeAspect="1"/>
+          </p:cNvPicPr>
+          <p:nvPr>
+            <p:ph idx="1"/>
+          </p:nvPr>
+        </p:nvPicPr>
+        <p:blipFill>
+          <a:blip r:embed="rId2"/>
+          <a:stretch>
+            <a:fillRect/>
+          </a:stretch>
+        </p:blipFill>
+        <p:spPr>
+          <a:xfrm>
+            <a:off x="1145732" y="1153863"/>
+            <a:ext cx="8698753" cy="4144735"/>
+          </a:xfrm>
+          <a:prstGeom prst="rect">
+            <a:avLst/>
+          </a:prstGeom>
+        </p:spPr>
+      </p:pic>
+    </p:spTree>
+    <p:extLst>
+      <p:ext uri="{BB962C8B-B14F-4D97-AF65-F5344CB8AC3E}">
+        <p14:creationId xmlns:p14="http://schemas.microsoft.com/office/powerpoint/2010/main" val="3831568992"/>
+      </p:ext>
+    </p:extLst>
+  </p:cSld>
+  <p:clrMapOvr>
+    <a:masterClrMapping/>
+  </p:clrMapOvr>
+</p:sld>
+</file>
+
+<file path=ppt/slides/slide17.xml><?xml version="1.0" encoding="utf-8"?>
+<p:sld xmlns:a="http://schemas.openxmlformats.org/drawingml/2006/main" xmlns:r="http://schemas.openxmlformats.org/officeDocument/2006/relationships" xmlns:p="http://schemas.openxmlformats.org/presentationml/2006/main">
+  <p:cSld>
+    <p:spTree>
+      <p:nvGrpSpPr>
+        <p:cNvPr id="1" name=""/>
+        <p:cNvGrpSpPr/>
+        <p:nvPr/>
+      </p:nvGrpSpPr>
+      <p:grpSpPr>
+        <a:xfrm>
+          <a:off x="0" y="0"/>
+          <a:ext cx="0" cy="0"/>
+          <a:chOff x="0" y="0"/>
+          <a:chExt cx="0" cy="0"/>
+        </a:xfrm>
+      </p:grpSpPr>
+      <p:sp>
+        <p:nvSpPr>
+          <p:cNvPr id="2" name="제목 1"/>
+          <p:cNvSpPr>
+            <a:spLocks noGrp="1"/>
+          </p:cNvSpPr>
+          <p:nvPr>
+            <p:ph type="title"/>
+          </p:nvPr>
+        </p:nvSpPr>
+        <p:spPr/>
+        <p:txBody>
+          <a:bodyPr/>
+          <a:lstStyle/>
+          <a:p>
+            <a:r>
+              <a:rPr lang="en-US" altLang="ko-KR" dirty="0" smtClean="0"/>
+              <a:t>Q&amp;A</a:t>
+            </a:r>
+            <a:endParaRPr lang="ko-KR" altLang="en-US" dirty="0"/>
+          </a:p>
+        </p:txBody>
+      </p:sp>
+    </p:spTree>
+    <p:extLst>
+      <p:ext uri="{BB962C8B-B14F-4D97-AF65-F5344CB8AC3E}">
+        <p14:creationId xmlns:p14="http://schemas.microsoft.com/office/powerpoint/2010/main" val="2740812098"/>
+      </p:ext>
+    </p:extLst>
+  </p:cSld>
+  <p:clrMapOvr>
+    <a:masterClrMapping/>
+  </p:clrMapOvr>
+</p:sld>
+</file>
+
+<file path=ppt/slides/slide18.xml><?xml version="1.0" encoding="utf-8"?>
+<p:sld xmlns:a="http://schemas.openxmlformats.org/drawingml/2006/main" xmlns:r="http://schemas.openxmlformats.org/officeDocument/2006/relationships" xmlns:p="http://schemas.openxmlformats.org/presentationml/2006/main">
+  <p:cSld>
+    <p:spTree>
+      <p:nvGrpSpPr>
+        <p:cNvPr id="1" name=""/>
+        <p:cNvGrpSpPr/>
+        <p:nvPr/>
+      </p:nvGrpSpPr>
+      <p:grpSpPr>
+        <a:xfrm>
+          <a:off x="0" y="0"/>
+          <a:ext cx="0" cy="0"/>
+          <a:chOff x="0" y="0"/>
+          <a:chExt cx="0" cy="0"/>
+        </a:xfrm>
+      </p:grpSpPr>
+      <p:sp>
+        <p:nvSpPr>
+          <p:cNvPr id="2" name="제목 1"/>
+          <p:cNvSpPr>
+            <a:spLocks noGrp="1"/>
+          </p:cNvSpPr>
+          <p:nvPr>
+            <p:ph type="title"/>
+          </p:nvPr>
+        </p:nvSpPr>
+        <p:spPr/>
+        <p:txBody>
+          <a:bodyPr/>
+          <a:lstStyle/>
+          <a:p>
+            <a:r>
+              <a:rPr lang="en-US" altLang="ko-KR" dirty="0" smtClean="0"/>
+              <a:t>Thank you~</a:t>
+            </a:r>
+            <a:endParaRPr lang="ko-KR" altLang="en-US" dirty="0"/>
+          </a:p>
+        </p:txBody>
+      </p:sp>
+    </p:spTree>
+    <p:extLst>
+      <p:ext uri="{BB962C8B-B14F-4D97-AF65-F5344CB8AC3E}">
+        <p14:creationId xmlns:p14="http://schemas.microsoft.com/office/powerpoint/2010/main" val="1191469849"/>
+      </p:ext>
+    </p:extLst>
+  </p:cSld>
+  <p:clrMapOvr>
+    <a:masterClrMapping/>
+  </p:clrMapOvr>
+</p:sld>
+</file>
+
 <file path=ppt/slides/slide2.xml><?xml version="1.0" encoding="utf-8"?>
 <p:sld xmlns:a="http://schemas.openxmlformats.org/drawingml/2006/main" xmlns:r="http://schemas.openxmlformats.org/officeDocument/2006/relationships" xmlns:p="http://schemas.openxmlformats.org/presentationml/2006/main">
   <p:cSld>
@@ -3088,70 +4161,149 @@
           <a:chExt cx="0" cy="0"/>
         </a:xfrm>
       </p:grpSpPr>
-      <p:pic>
-        <p:nvPicPr>
-          <p:cNvPr id="4" name="그림 3"/>
-          <p:cNvPicPr>
-            <a:picLocks noChangeAspect="1"/>
-          </p:cNvPicPr>
-          <p:nvPr/>
-        </p:nvPicPr>
-        <p:blipFill>
-          <a:blip r:embed="rId2">
-            <a:extLst>
-              <a:ext uri="{28A0092B-C50C-407E-A947-70E740481C1C}">
-                <a14:useLocalDpi xmlns:a14="http://schemas.microsoft.com/office/drawing/2010/main" val="0"/>
-              </a:ext>
-            </a:extLst>
-          </a:blip>
-          <a:stretch>
-            <a:fillRect/>
-          </a:stretch>
-        </p:blipFill>
-        <p:spPr>
-          <a:xfrm>
-            <a:off x="2063930" y="678529"/>
-            <a:ext cx="9524127" cy="6081450"/>
-          </a:xfrm>
-          <a:prstGeom prst="rect">
-            <a:avLst/>
-          </a:prstGeom>
-        </p:spPr>
-      </p:pic>
-      <p:sp>
-        <p:nvSpPr>
-          <p:cNvPr id="5" name="TextBox 4"/>
-          <p:cNvSpPr txBox="1"/>
-          <p:nvPr/>
+      <p:sp>
+        <p:nvSpPr>
+          <p:cNvPr id="2" name="제목 1"/>
+          <p:cNvSpPr>
+            <a:spLocks noGrp="1"/>
+          </p:cNvSpPr>
+          <p:nvPr>
+            <p:ph type="title"/>
+          </p:nvPr>
         </p:nvSpPr>
         <p:spPr>
           <a:xfrm>
             <a:off x="0" y="0"/>
-            <a:ext cx="7264233" cy="769441"/>
-          </a:xfrm>
-          <a:prstGeom prst="rect">
-            <a:avLst/>
-          </a:prstGeom>
-          <a:noFill/>
-        </p:spPr>
-        <p:txBody>
-          <a:bodyPr wrap="none" rtlCol="0">
-            <a:spAutoFit/>
-          </a:bodyPr>
-          <a:lstStyle/>
-          <a:p>
-            <a:r>
-              <a:rPr lang="en-US" altLang="ko-KR" sz="4400" dirty="0" smtClean="0"/>
-              <a:t>User requirement ---- Use Case</a:t>
-            </a:r>
-            <a:endParaRPr lang="ko-KR" altLang="en-US" sz="4400" dirty="0"/>
+            <a:ext cx="10515600" cy="1325563"/>
+          </a:xfrm>
+        </p:spPr>
+        <p:txBody>
+          <a:bodyPr/>
+          <a:lstStyle/>
+          <a:p>
+            <a:r>
+              <a:rPr lang="en-US" altLang="ko-KR" dirty="0" smtClean="0"/>
+              <a:t>Background</a:t>
+            </a:r>
+            <a:endParaRPr lang="ko-KR" altLang="en-US" dirty="0"/>
+          </a:p>
+        </p:txBody>
+      </p:sp>
+      <p:sp>
+        <p:nvSpPr>
+          <p:cNvPr id="3" name="내용 개체 틀 2"/>
+          <p:cNvSpPr>
+            <a:spLocks noGrp="1"/>
+          </p:cNvSpPr>
+          <p:nvPr>
+            <p:ph idx="1"/>
+          </p:nvPr>
+        </p:nvSpPr>
+        <p:spPr>
+          <a:xfrm>
+            <a:off x="524692" y="1189899"/>
+            <a:ext cx="10515600" cy="4351338"/>
+          </a:xfrm>
+        </p:spPr>
+        <p:txBody>
+          <a:bodyPr/>
+          <a:lstStyle/>
+          <a:p>
+            <a:r>
+              <a:rPr lang="ko-KR" altLang="en-US" dirty="0" smtClean="0"/>
+              <a:t>목적</a:t>
+            </a:r>
+            <a:r>
+              <a:rPr lang="en-US" altLang="ko-KR" dirty="0" smtClean="0"/>
+              <a:t>:</a:t>
+            </a:r>
+            <a:r>
+              <a:rPr lang="en-US" altLang="ko-KR" dirty="0"/>
+              <a:t> </a:t>
+            </a:r>
+            <a:r>
+              <a:rPr lang="en-US" altLang="ko-KR" dirty="0" smtClean="0"/>
+              <a:t/>
+            </a:r>
+            <a:br>
+              <a:rPr lang="en-US" altLang="ko-KR" dirty="0" smtClean="0"/>
+            </a:br>
+            <a:r>
+              <a:rPr lang="ko-KR" altLang="ko-KR" dirty="0" smtClean="0"/>
+              <a:t>이 </a:t>
+            </a:r>
+            <a:r>
+              <a:rPr lang="ko-KR" altLang="ko-KR" dirty="0"/>
+              <a:t>프로그램의 사용자 대상은 </a:t>
+            </a:r>
+            <a:r>
+              <a:rPr lang="ko-KR" altLang="ko-KR" dirty="0" err="1"/>
+              <a:t>처벙전</a:t>
+            </a:r>
+            <a:r>
+              <a:rPr lang="ko-KR" altLang="ko-KR" dirty="0"/>
+              <a:t> 내는 의사입니다</a:t>
+            </a:r>
+            <a:r>
+              <a:rPr lang="en-US" altLang="ko-KR" dirty="0"/>
+              <a:t>. </a:t>
+            </a:r>
+            <a:r>
+              <a:rPr lang="ko-KR" altLang="ko-KR" dirty="0"/>
+              <a:t>이 프로그램은 의사가 환자에게 </a:t>
+            </a:r>
+            <a:r>
+              <a:rPr lang="ko-KR" altLang="ko-KR" dirty="0" err="1"/>
+              <a:t>처벙전을</a:t>
+            </a:r>
+            <a:r>
+              <a:rPr lang="ko-KR" altLang="ko-KR" dirty="0"/>
+              <a:t> 낼 때에 사용하는 프로그램입니다</a:t>
+            </a:r>
+            <a:r>
+              <a:rPr lang="en-US" altLang="ko-KR" dirty="0"/>
+              <a:t>. </a:t>
+            </a:r>
+            <a:r>
+              <a:rPr lang="ko-KR" altLang="ko-KR" dirty="0"/>
+              <a:t>이 프로그램을 개발하는 목적은 의사가 내는 처방전들의 정보를 환자</a:t>
+            </a:r>
+            <a:r>
+              <a:rPr lang="en-US" altLang="ko-KR" dirty="0"/>
+              <a:t>ID,</a:t>
+            </a:r>
+            <a:r>
+              <a:rPr lang="ko-KR" altLang="ko-KR" dirty="0"/>
+              <a:t>처방전</a:t>
+            </a:r>
+            <a:r>
+              <a:rPr lang="en-US" altLang="ko-KR" dirty="0"/>
+              <a:t>ID</a:t>
+            </a:r>
+            <a:r>
+              <a:rPr lang="ko-KR" altLang="ko-KR" dirty="0"/>
+              <a:t>에 의하여 개별적으로 </a:t>
+            </a:r>
+            <a:r>
+              <a:rPr lang="en-US" altLang="ko-KR" dirty="0"/>
+              <a:t>file</a:t>
+            </a:r>
+            <a:r>
+              <a:rPr lang="ko-KR" altLang="ko-KR" dirty="0"/>
+              <a:t>형식으로 저장하는 기능을 수행한다는 것입니다</a:t>
+            </a:r>
+            <a:r>
+              <a:rPr lang="en-US" altLang="ko-KR" dirty="0"/>
+              <a:t>.</a:t>
+            </a:r>
+            <a:endParaRPr lang="ko-KR" altLang="en-US" dirty="0"/>
           </a:p>
         </p:txBody>
       </p:sp>
     </p:spTree>
     <p:extLst>
       <p:ext uri="{BB962C8B-B14F-4D97-AF65-F5344CB8AC3E}">
-        <p14:creationId xmlns:p14="http://schemas.microsoft.com/office/powerpoint/2010/main" val="1153412243"/>
+        <p14:creationId xmlns:p14="http://schemas.microsoft.com/office/powerpoint/2010/main" val="2299368026"/>
       </p:ext>
     </p:extLst>
   </p:cSld>
@@ -3199,9 +4351,120 @@
           <a:lstStyle/>
           <a:p>
             <a:r>
+              <a:rPr lang="en-US" altLang="ko-KR" dirty="0"/>
+              <a:t>Background</a:t>
+            </a:r>
+            <a:endParaRPr lang="ko-KR" altLang="en-US" dirty="0"/>
+          </a:p>
+        </p:txBody>
+      </p:sp>
+      <p:sp>
+        <p:nvSpPr>
+          <p:cNvPr id="3" name="내용 개체 틀 2"/>
+          <p:cNvSpPr>
+            <a:spLocks noGrp="1"/>
+          </p:cNvSpPr>
+          <p:nvPr>
+            <p:ph idx="1"/>
+          </p:nvPr>
+        </p:nvSpPr>
+        <p:spPr>
+          <a:xfrm>
+            <a:off x="1210491" y="1325563"/>
+            <a:ext cx="10515600" cy="4351338"/>
+          </a:xfrm>
+        </p:spPr>
+        <p:txBody>
+          <a:bodyPr/>
+          <a:lstStyle/>
+          <a:p>
+            <a:r>
+              <a:rPr lang="en-US" altLang="ko-KR" dirty="0"/>
+              <a:t>Project Manager : Michael</a:t>
+            </a:r>
+            <a:endParaRPr lang="ko-KR" altLang="ko-KR" dirty="0"/>
+          </a:p>
+          <a:p>
+            <a:r>
+              <a:rPr lang="en-US" altLang="ko-KR" dirty="0"/>
+              <a:t>Software Developer : </a:t>
+            </a:r>
+            <a:r>
+              <a:rPr lang="en-US" altLang="ko-KR" dirty="0" err="1"/>
+              <a:t>Haoran</a:t>
+            </a:r>
+            <a:r>
+              <a:rPr lang="en-US" altLang="ko-KR" dirty="0"/>
+              <a:t> Mei</a:t>
+            </a:r>
+            <a:endParaRPr lang="ko-KR" altLang="ko-KR" dirty="0"/>
+          </a:p>
+          <a:p>
+            <a:r>
+              <a:rPr lang="en-US" altLang="ko-KR" dirty="0"/>
+              <a:t>User : </a:t>
+            </a:r>
+            <a:r>
+              <a:rPr lang="en-US" altLang="ko-KR" dirty="0"/>
+              <a:t>Prescribing </a:t>
+            </a:r>
+            <a:r>
               <a:rPr lang="en-US" altLang="ko-KR" dirty="0" smtClean="0"/>
-              <a:t>Function Requirement</a:t>
-            </a:r>
+              <a:t>doctor</a:t>
+            </a:r>
+          </a:p>
+          <a:p>
+            <a:r>
+              <a:rPr lang="en-US" altLang="ko-KR" dirty="0" smtClean="0"/>
+              <a:t>PC </a:t>
+            </a:r>
+            <a:r>
+              <a:rPr lang="en-US" altLang="ko-KR" dirty="0"/>
+              <a:t>System Environment: Windows </a:t>
+            </a:r>
+            <a:r>
+              <a:rPr lang="en-US" altLang="ko-KR" dirty="0" smtClean="0"/>
+              <a:t>7</a:t>
+            </a:r>
+          </a:p>
+          <a:p>
+            <a:r>
+              <a:rPr lang="en-US" altLang="ko-KR" dirty="0" smtClean="0"/>
+              <a:t>Development </a:t>
+            </a:r>
+            <a:r>
+              <a:rPr lang="en-US" altLang="ko-KR" dirty="0"/>
+              <a:t>Tools: Microsoft Visual Studio 2013, </a:t>
+            </a:r>
+            <a:r>
+              <a:rPr lang="en-US" altLang="ko-KR" dirty="0" err="1"/>
+              <a:t>Github</a:t>
+            </a:r>
+            <a:endParaRPr lang="ko-KR" altLang="ko-KR" dirty="0"/>
+          </a:p>
+          <a:p>
+            <a:r>
+              <a:rPr lang="en-US" altLang="ko-KR" dirty="0"/>
+              <a:t>Development Language: C#</a:t>
+            </a:r>
+            <a:endParaRPr lang="ko-KR" altLang="ko-KR" dirty="0"/>
+          </a:p>
+          <a:p>
+            <a:r>
+              <a:rPr lang="en-US" altLang="ko-KR" dirty="0"/>
+              <a:t>Framework: </a:t>
+            </a:r>
+            <a:r>
+              <a:rPr lang="en-US" altLang="ko-KR" dirty="0" err="1"/>
+              <a:t>.net</a:t>
+            </a:r>
+            <a:r>
+              <a:rPr lang="en-US" altLang="ko-KR" dirty="0"/>
+              <a:t> 4.5</a:t>
+            </a:r>
+            <a:endParaRPr lang="ko-KR" altLang="ko-KR" dirty="0"/>
+          </a:p>
+          <a:p>
             <a:endParaRPr lang="ko-KR" altLang="en-US" dirty="0"/>
           </a:p>
         </p:txBody>
@@ -3209,7 +4472,7 @@
     </p:spTree>
     <p:extLst>
       <p:ext uri="{BB962C8B-B14F-4D97-AF65-F5344CB8AC3E}">
-        <p14:creationId xmlns:p14="http://schemas.microsoft.com/office/powerpoint/2010/main" val="860160077"/>
+        <p14:creationId xmlns:p14="http://schemas.microsoft.com/office/powerpoint/2010/main" val="3529909967"/>
       </p:ext>
     </p:extLst>
   </p:cSld>
@@ -3238,55 +4501,80 @@
       </p:grpSpPr>
       <p:sp>
         <p:nvSpPr>
-          <p:cNvPr id="2" name="제목 1"/>
-          <p:cNvSpPr>
-            <a:spLocks noGrp="1"/>
-          </p:cNvSpPr>
-          <p:nvPr>
-            <p:ph type="title"/>
-          </p:nvPr>
+          <p:cNvPr id="5" name="TextBox 4"/>
+          <p:cNvSpPr txBox="1"/>
+          <p:nvPr/>
         </p:nvSpPr>
         <p:spPr>
           <a:xfrm>
             <a:off x="0" y="0"/>
-            <a:ext cx="10515600" cy="1325563"/>
-          </a:xfrm>
-        </p:spPr>
-        <p:txBody>
-          <a:bodyPr/>
-          <a:lstStyle/>
-          <a:p>
-            <a:r>
-              <a:rPr lang="en-US" altLang="ko-KR" dirty="0" smtClean="0"/>
-              <a:t>Activity Diagram</a:t>
-            </a:r>
-            <a:endParaRPr lang="ko-KR" altLang="en-US" dirty="0"/>
-          </a:p>
-        </p:txBody>
-      </p:sp>
-      <p:sp>
-        <p:nvSpPr>
-          <p:cNvPr id="3" name="내용 개체 틀 2"/>
-          <p:cNvSpPr>
-            <a:spLocks noGrp="1"/>
-          </p:cNvSpPr>
-          <p:nvPr>
-            <p:ph idx="1"/>
-          </p:nvPr>
-        </p:nvSpPr>
-        <p:spPr/>
-        <p:txBody>
-          <a:bodyPr/>
-          <a:lstStyle/>
-          <a:p>
-            <a:endParaRPr lang="ko-KR" altLang="en-US"/>
-          </a:p>
-        </p:txBody>
-      </p:sp>
+            <a:ext cx="7370736" cy="769441"/>
+          </a:xfrm>
+          <a:prstGeom prst="rect">
+            <a:avLst/>
+          </a:prstGeom>
+          <a:noFill/>
+        </p:spPr>
+        <p:txBody>
+          <a:bodyPr wrap="none" rtlCol="0">
+            <a:spAutoFit/>
+          </a:bodyPr>
+          <a:lstStyle/>
+          <a:p>
+            <a:r>
+              <a:rPr lang="en-US" altLang="ko-KR" sz="4400" dirty="0" smtClean="0"/>
+              <a:t>User </a:t>
+            </a:r>
+            <a:r>
+              <a:rPr lang="en-US" altLang="ko-KR" sz="4400" dirty="0"/>
+              <a:t>R</a:t>
+            </a:r>
+            <a:r>
+              <a:rPr lang="en-US" altLang="ko-KR" sz="4400" dirty="0" smtClean="0"/>
+              <a:t>equirement </a:t>
+            </a:r>
+            <a:r>
+              <a:rPr lang="en-US" altLang="ko-KR" sz="4400" dirty="0" smtClean="0"/>
+              <a:t>---- Use Case</a:t>
+            </a:r>
+            <a:endParaRPr lang="ko-KR" altLang="en-US" sz="4400" dirty="0"/>
+          </a:p>
+        </p:txBody>
+      </p:sp>
+      <p:pic>
+        <p:nvPicPr>
+          <p:cNvPr id="2" name="그림 1"/>
+          <p:cNvPicPr>
+            <a:picLocks noChangeAspect="1"/>
+          </p:cNvPicPr>
+          <p:nvPr/>
+        </p:nvPicPr>
+        <p:blipFill>
+          <a:blip r:embed="rId2">
+            <a:extLst>
+              <a:ext uri="{28A0092B-C50C-407E-A947-70E740481C1C}">
+                <a14:useLocalDpi xmlns:a14="http://schemas.microsoft.com/office/drawing/2010/main" val="0"/>
+              </a:ext>
+            </a:extLst>
+          </a:blip>
+          <a:stretch>
+            <a:fillRect/>
+          </a:stretch>
+        </p:blipFill>
+        <p:spPr>
+          <a:xfrm>
+            <a:off x="1341120" y="769441"/>
+            <a:ext cx="9296588" cy="5936159"/>
+          </a:xfrm>
+          <a:prstGeom prst="rect">
+            <a:avLst/>
+          </a:prstGeom>
+        </p:spPr>
+      </p:pic>
     </p:spTree>
     <p:extLst>
       <p:ext uri="{BB962C8B-B14F-4D97-AF65-F5344CB8AC3E}">
-        <p14:creationId xmlns:p14="http://schemas.microsoft.com/office/powerpoint/2010/main" val="111261670"/>
+        <p14:creationId xmlns:p14="http://schemas.microsoft.com/office/powerpoint/2010/main" val="1153412243"/>
       </p:ext>
     </p:extLst>
   </p:cSld>
@@ -3335,7 +4623,7 @@
           <a:p>
             <a:r>
               <a:rPr lang="en-US" altLang="ko-KR" dirty="0" smtClean="0"/>
-              <a:t>Test Report</a:t>
+              <a:t>Function Requirement</a:t>
             </a:r>
             <a:endParaRPr lang="ko-KR" altLang="en-US" dirty="0"/>
           </a:p>
@@ -3343,7 +4631,7 @@
       </p:sp>
       <p:sp>
         <p:nvSpPr>
-          <p:cNvPr id="3" name="내용 개체 틀 2"/>
+          <p:cNvPr id="8" name="내용 개체 틀 2"/>
           <p:cNvSpPr>
             <a:spLocks noGrp="1"/>
           </p:cNvSpPr>
@@ -3351,19 +4639,62 @@
             <p:ph idx="1"/>
           </p:nvPr>
         </p:nvSpPr>
-        <p:spPr/>
-        <p:txBody>
-          <a:bodyPr/>
-          <a:lstStyle/>
-          <a:p>
-            <a:endParaRPr lang="ko-KR" altLang="en-US"/>
+        <p:spPr>
+          <a:xfrm>
+            <a:off x="339634" y="1325563"/>
+            <a:ext cx="10515600" cy="4351338"/>
+          </a:xfrm>
+        </p:spPr>
+        <p:txBody>
+          <a:bodyPr/>
+          <a:lstStyle/>
+          <a:p>
+            <a:r>
+              <a:rPr lang="en-US" altLang="ko-KR" dirty="0"/>
+              <a:t>Prescribing doctor can create a prescription record</a:t>
+            </a:r>
+          </a:p>
+          <a:p>
+            <a:r>
+              <a:rPr lang="en-US" altLang="ko-KR" dirty="0" smtClean="0"/>
+              <a:t>Prescribing doctor can edit a prescription record</a:t>
+            </a:r>
+          </a:p>
+          <a:p>
+            <a:r>
+              <a:rPr lang="en-US" altLang="ko-KR" dirty="0" smtClean="0"/>
+              <a:t>Prescribing doctor can save a prescription record as an XML file</a:t>
+            </a:r>
+          </a:p>
+          <a:p>
+            <a:r>
+              <a:rPr lang="en-US" altLang="ko-KR" dirty="0" smtClean="0"/>
+              <a:t>Prescribing doctor can load an</a:t>
+            </a:r>
+            <a:r>
+              <a:rPr lang="en-US" altLang="ko-KR" dirty="0"/>
+              <a:t> XML </a:t>
+            </a:r>
+            <a:r>
+              <a:rPr lang="en-US" altLang="ko-KR" dirty="0" smtClean="0"/>
+              <a:t>file that storing prescription record information</a:t>
+            </a:r>
+          </a:p>
+          <a:p>
+            <a:r>
+              <a:rPr lang="en-US" altLang="ko-KR" dirty="0" smtClean="0"/>
+              <a:t>Prescribing doctor can edit drug information list in prescription record.(insert/update/delete)</a:t>
+            </a:r>
+          </a:p>
+          <a:p>
+            <a:endParaRPr lang="ko-KR" altLang="en-US" dirty="0"/>
           </a:p>
         </p:txBody>
       </p:sp>
     </p:spTree>
     <p:extLst>
       <p:ext uri="{BB962C8B-B14F-4D97-AF65-F5344CB8AC3E}">
-        <p14:creationId xmlns:p14="http://schemas.microsoft.com/office/powerpoint/2010/main" val="3625061951"/>
+        <p14:creationId xmlns:p14="http://schemas.microsoft.com/office/powerpoint/2010/main" val="860160077"/>
       </p:ext>
     </p:extLst>
   </p:cSld>
@@ -3400,14 +4731,19 @@
             <p:ph type="title"/>
           </p:nvPr>
         </p:nvSpPr>
-        <p:spPr/>
+        <p:spPr>
+          <a:xfrm>
+            <a:off x="0" y="0"/>
+            <a:ext cx="10515600" cy="1325563"/>
+          </a:xfrm>
+        </p:spPr>
         <p:txBody>
           <a:bodyPr/>
           <a:lstStyle/>
           <a:p>
             <a:r>
               <a:rPr lang="en-US" altLang="ko-KR" dirty="0" smtClean="0"/>
-              <a:t>Q&amp;A</a:t>
+              <a:t>Activity Diagram</a:t>
             </a:r>
             <a:endParaRPr lang="ko-KR" altLang="en-US" dirty="0"/>
           </a:p>
@@ -3423,7 +4759,12 @@
             <p:ph idx="1"/>
           </p:nvPr>
         </p:nvSpPr>
-        <p:spPr/>
+        <p:spPr>
+          <a:xfrm>
+            <a:off x="724988" y="1325563"/>
+            <a:ext cx="10515600" cy="4351338"/>
+          </a:xfrm>
+        </p:spPr>
         <p:txBody>
           <a:bodyPr/>
           <a:lstStyle/>
@@ -3435,7 +4776,7 @@
     </p:spTree>
     <p:extLst>
       <p:ext uri="{BB962C8B-B14F-4D97-AF65-F5344CB8AC3E}">
-        <p14:creationId xmlns:p14="http://schemas.microsoft.com/office/powerpoint/2010/main" val="2740812098"/>
+        <p14:creationId xmlns:p14="http://schemas.microsoft.com/office/powerpoint/2010/main" val="111261670"/>
       </p:ext>
     </p:extLst>
   </p:cSld>
@@ -3472,42 +4813,384 @@
             <p:ph type="title"/>
           </p:nvPr>
         </p:nvSpPr>
-        <p:spPr/>
+        <p:spPr>
+          <a:xfrm>
+            <a:off x="0" y="0"/>
+            <a:ext cx="10515600" cy="1325563"/>
+          </a:xfrm>
+        </p:spPr>
         <p:txBody>
           <a:bodyPr/>
           <a:lstStyle/>
           <a:p>
             <a:r>
               <a:rPr lang="en-US" altLang="ko-KR" dirty="0" smtClean="0"/>
-              <a:t>Thank you~</a:t>
+              <a:t>GUI[Login &amp; Call new patient]</a:t>
             </a:r>
             <a:endParaRPr lang="ko-KR" altLang="en-US" dirty="0"/>
           </a:p>
         </p:txBody>
       </p:sp>
-      <p:sp>
-        <p:nvSpPr>
-          <p:cNvPr id="3" name="내용 개체 틀 2"/>
-          <p:cNvSpPr>
-            <a:spLocks noGrp="1"/>
-          </p:cNvSpPr>
-          <p:nvPr>
-            <p:ph idx="1"/>
-          </p:nvPr>
-        </p:nvSpPr>
-        <p:spPr/>
-        <p:txBody>
-          <a:bodyPr/>
-          <a:lstStyle/>
-          <a:p>
-            <a:endParaRPr lang="ko-KR" altLang="en-US"/>
-          </a:p>
-        </p:txBody>
-      </p:sp>
+      <p:pic>
+        <p:nvPicPr>
+          <p:cNvPr id="4" name="그림 3"/>
+          <p:cNvPicPr>
+            <a:picLocks noChangeAspect="1"/>
+          </p:cNvPicPr>
+          <p:nvPr/>
+        </p:nvPicPr>
+        <p:blipFill>
+          <a:blip r:embed="rId2"/>
+          <a:stretch>
+            <a:fillRect/>
+          </a:stretch>
+        </p:blipFill>
+        <p:spPr>
+          <a:xfrm>
+            <a:off x="95250" y="979714"/>
+            <a:ext cx="5162550" cy="4114800"/>
+          </a:xfrm>
+          <a:prstGeom prst="rect">
+            <a:avLst/>
+          </a:prstGeom>
+        </p:spPr>
+      </p:pic>
+      <p:pic>
+        <p:nvPicPr>
+          <p:cNvPr id="5" name="그림 4"/>
+          <p:cNvPicPr>
+            <a:picLocks noChangeAspect="1"/>
+          </p:cNvPicPr>
+          <p:nvPr/>
+        </p:nvPicPr>
+        <p:blipFill>
+          <a:blip r:embed="rId3"/>
+          <a:stretch>
+            <a:fillRect/>
+          </a:stretch>
+        </p:blipFill>
+        <p:spPr>
+          <a:xfrm>
+            <a:off x="690932" y="1486799"/>
+            <a:ext cx="9324236" cy="5033824"/>
+          </a:xfrm>
+          <a:prstGeom prst="rect">
+            <a:avLst/>
+          </a:prstGeom>
+        </p:spPr>
+      </p:pic>
+      <p:pic>
+        <p:nvPicPr>
+          <p:cNvPr id="6" name="그림 5"/>
+          <p:cNvPicPr>
+            <a:picLocks noChangeAspect="1"/>
+          </p:cNvPicPr>
+          <p:nvPr/>
+        </p:nvPicPr>
+        <p:blipFill>
+          <a:blip r:embed="rId4"/>
+          <a:stretch>
+            <a:fillRect/>
+          </a:stretch>
+        </p:blipFill>
+        <p:spPr>
+          <a:xfrm>
+            <a:off x="1652582" y="1961978"/>
+            <a:ext cx="9038809" cy="4896022"/>
+          </a:xfrm>
+          <a:prstGeom prst="rect">
+            <a:avLst/>
+          </a:prstGeom>
+        </p:spPr>
+      </p:pic>
     </p:spTree>
     <p:extLst>
       <p:ext uri="{BB962C8B-B14F-4D97-AF65-F5344CB8AC3E}">
-        <p14:creationId xmlns:p14="http://schemas.microsoft.com/office/powerpoint/2010/main" val="1191469849"/>
+        <p14:creationId xmlns:p14="http://schemas.microsoft.com/office/powerpoint/2010/main" val="190789895"/>
+      </p:ext>
+    </p:extLst>
+  </p:cSld>
+  <p:clrMapOvr>
+    <a:masterClrMapping/>
+  </p:clrMapOvr>
+</p:sld>
+</file>
+
+<file path=ppt/slides/slide8.xml><?xml version="1.0" encoding="utf-8"?>
+<p:sld xmlns:a="http://schemas.openxmlformats.org/drawingml/2006/main" xmlns:r="http://schemas.openxmlformats.org/officeDocument/2006/relationships" xmlns:p="http://schemas.openxmlformats.org/presentationml/2006/main">
+  <p:cSld>
+    <p:spTree>
+      <p:nvGrpSpPr>
+        <p:cNvPr id="1" name=""/>
+        <p:cNvGrpSpPr/>
+        <p:nvPr/>
+      </p:nvGrpSpPr>
+      <p:grpSpPr>
+        <a:xfrm>
+          <a:off x="0" y="0"/>
+          <a:ext cx="0" cy="0"/>
+          <a:chOff x="0" y="0"/>
+          <a:chExt cx="0" cy="0"/>
+        </a:xfrm>
+      </p:grpSpPr>
+      <p:sp>
+        <p:nvSpPr>
+          <p:cNvPr id="2" name="제목 1"/>
+          <p:cNvSpPr>
+            <a:spLocks noGrp="1"/>
+          </p:cNvSpPr>
+          <p:nvPr>
+            <p:ph type="title"/>
+          </p:nvPr>
+        </p:nvSpPr>
+        <p:spPr>
+          <a:xfrm>
+            <a:off x="0" y="0"/>
+            <a:ext cx="10515600" cy="1325563"/>
+          </a:xfrm>
+        </p:spPr>
+        <p:txBody>
+          <a:bodyPr/>
+          <a:lstStyle/>
+          <a:p>
+            <a:r>
+              <a:rPr lang="en-US" altLang="ko-KR" dirty="0" smtClean="0"/>
+              <a:t>GUI[Insert a new drug]</a:t>
+            </a:r>
+            <a:endParaRPr lang="ko-KR" altLang="en-US" dirty="0"/>
+          </a:p>
+        </p:txBody>
+      </p:sp>
+      <p:pic>
+        <p:nvPicPr>
+          <p:cNvPr id="7" name="그림 6"/>
+          <p:cNvPicPr>
+            <a:picLocks noChangeAspect="1"/>
+          </p:cNvPicPr>
+          <p:nvPr/>
+        </p:nvPicPr>
+        <p:blipFill>
+          <a:blip r:embed="rId2"/>
+          <a:stretch>
+            <a:fillRect/>
+          </a:stretch>
+        </p:blipFill>
+        <p:spPr>
+          <a:xfrm>
+            <a:off x="624562" y="1007192"/>
+            <a:ext cx="9088079" cy="4922710"/>
+          </a:xfrm>
+          <a:prstGeom prst="rect">
+            <a:avLst/>
+          </a:prstGeom>
+        </p:spPr>
+      </p:pic>
+      <p:pic>
+        <p:nvPicPr>
+          <p:cNvPr id="8" name="그림 7"/>
+          <p:cNvPicPr>
+            <a:picLocks noChangeAspect="1"/>
+          </p:cNvPicPr>
+          <p:nvPr/>
+        </p:nvPicPr>
+        <p:blipFill>
+          <a:blip r:embed="rId3"/>
+          <a:stretch>
+            <a:fillRect/>
+          </a:stretch>
+        </p:blipFill>
+        <p:spPr>
+          <a:xfrm>
+            <a:off x="3984286" y="1508858"/>
+            <a:ext cx="4990767" cy="3098481"/>
+          </a:xfrm>
+          <a:prstGeom prst="rect">
+            <a:avLst/>
+          </a:prstGeom>
+        </p:spPr>
+      </p:pic>
+      <p:pic>
+        <p:nvPicPr>
+          <p:cNvPr id="10" name="그림 9"/>
+          <p:cNvPicPr>
+            <a:picLocks noChangeAspect="1"/>
+          </p:cNvPicPr>
+          <p:nvPr/>
+        </p:nvPicPr>
+        <p:blipFill>
+          <a:blip r:embed="rId4"/>
+          <a:stretch>
+            <a:fillRect/>
+          </a:stretch>
+        </p:blipFill>
+        <p:spPr>
+          <a:xfrm>
+            <a:off x="2309992" y="1898095"/>
+            <a:ext cx="9426471" cy="5106005"/>
+          </a:xfrm>
+          <a:prstGeom prst="rect">
+            <a:avLst/>
+          </a:prstGeom>
+        </p:spPr>
+      </p:pic>
+    </p:spTree>
+    <p:extLst>
+      <p:ext uri="{BB962C8B-B14F-4D97-AF65-F5344CB8AC3E}">
+        <p14:creationId xmlns:p14="http://schemas.microsoft.com/office/powerpoint/2010/main" val="1831401920"/>
+      </p:ext>
+    </p:extLst>
+  </p:cSld>
+  <p:clrMapOvr>
+    <a:masterClrMapping/>
+  </p:clrMapOvr>
+</p:sld>
+</file>
+
+<file path=ppt/slides/slide9.xml><?xml version="1.0" encoding="utf-8"?>
+<p:sld xmlns:a="http://schemas.openxmlformats.org/drawingml/2006/main" xmlns:r="http://schemas.openxmlformats.org/officeDocument/2006/relationships" xmlns:p="http://schemas.openxmlformats.org/presentationml/2006/main">
+  <p:cSld>
+    <p:spTree>
+      <p:nvGrpSpPr>
+        <p:cNvPr id="1" name=""/>
+        <p:cNvGrpSpPr/>
+        <p:nvPr/>
+      </p:nvGrpSpPr>
+      <p:grpSpPr>
+        <a:xfrm>
+          <a:off x="0" y="0"/>
+          <a:ext cx="0" cy="0"/>
+          <a:chOff x="0" y="0"/>
+          <a:chExt cx="0" cy="0"/>
+        </a:xfrm>
+      </p:grpSpPr>
+      <p:sp>
+        <p:nvSpPr>
+          <p:cNvPr id="2" name="제목 1"/>
+          <p:cNvSpPr>
+            <a:spLocks noGrp="1"/>
+          </p:cNvSpPr>
+          <p:nvPr>
+            <p:ph type="title"/>
+          </p:nvPr>
+        </p:nvSpPr>
+        <p:spPr>
+          <a:xfrm>
+            <a:off x="0" y="0"/>
+            <a:ext cx="10515600" cy="1325563"/>
+          </a:xfrm>
+        </p:spPr>
+        <p:txBody>
+          <a:bodyPr/>
+          <a:lstStyle/>
+          <a:p>
+            <a:r>
+              <a:rPr lang="en-US" altLang="ko-KR" dirty="0" smtClean="0"/>
+              <a:t>GUI[Update an old drug information]</a:t>
+            </a:r>
+            <a:endParaRPr lang="ko-KR" altLang="en-US" dirty="0"/>
+          </a:p>
+        </p:txBody>
+      </p:sp>
+      <p:pic>
+        <p:nvPicPr>
+          <p:cNvPr id="10" name="그림 9"/>
+          <p:cNvPicPr>
+            <a:picLocks noChangeAspect="1"/>
+          </p:cNvPicPr>
+          <p:nvPr/>
+        </p:nvPicPr>
+        <p:blipFill>
+          <a:blip r:embed="rId2"/>
+          <a:stretch>
+            <a:fillRect/>
+          </a:stretch>
+        </p:blipFill>
+        <p:spPr>
+          <a:xfrm>
+            <a:off x="437649" y="1628129"/>
+            <a:ext cx="9426471" cy="5106005"/>
+          </a:xfrm>
+          <a:prstGeom prst="rect">
+            <a:avLst/>
+          </a:prstGeom>
+        </p:spPr>
+      </p:pic>
+      <p:pic>
+        <p:nvPicPr>
+          <p:cNvPr id="3" name="그림 2"/>
+          <p:cNvPicPr>
+            <a:picLocks noChangeAspect="1"/>
+          </p:cNvPicPr>
+          <p:nvPr/>
+        </p:nvPicPr>
+        <p:blipFill>
+          <a:blip r:embed="rId3"/>
+          <a:stretch>
+            <a:fillRect/>
+          </a:stretch>
+        </p:blipFill>
+        <p:spPr>
+          <a:xfrm>
+            <a:off x="1232517" y="921613"/>
+            <a:ext cx="10959483" cy="5936387"/>
+          </a:xfrm>
+          <a:prstGeom prst="rect">
+            <a:avLst/>
+          </a:prstGeom>
+        </p:spPr>
+      </p:pic>
+      <p:pic>
+        <p:nvPicPr>
+          <p:cNvPr id="4" name="그림 3"/>
+          <p:cNvPicPr>
+            <a:picLocks noChangeAspect="1"/>
+          </p:cNvPicPr>
+          <p:nvPr/>
+        </p:nvPicPr>
+        <p:blipFill>
+          <a:blip r:embed="rId4"/>
+          <a:stretch>
+            <a:fillRect/>
+          </a:stretch>
+        </p:blipFill>
+        <p:spPr>
+          <a:xfrm>
+            <a:off x="1232517" y="921613"/>
+            <a:ext cx="10688588" cy="5789652"/>
+          </a:xfrm>
+          <a:prstGeom prst="rect">
+            <a:avLst/>
+          </a:prstGeom>
+        </p:spPr>
+      </p:pic>
+      <p:pic>
+        <p:nvPicPr>
+          <p:cNvPr id="5" name="그림 4"/>
+          <p:cNvPicPr>
+            <a:picLocks noChangeAspect="1"/>
+          </p:cNvPicPr>
+          <p:nvPr/>
+        </p:nvPicPr>
+        <p:blipFill>
+          <a:blip r:embed="rId5"/>
+          <a:stretch>
+            <a:fillRect/>
+          </a:stretch>
+        </p:blipFill>
+        <p:spPr>
+          <a:xfrm>
+            <a:off x="1232517" y="891834"/>
+            <a:ext cx="11014460" cy="5966166"/>
+          </a:xfrm>
+          <a:prstGeom prst="rect">
+            <a:avLst/>
+          </a:prstGeom>
+        </p:spPr>
+      </p:pic>
+    </p:spTree>
+    <p:extLst>
+      <p:ext uri="{BB962C8B-B14F-4D97-AF65-F5344CB8AC3E}">
+        <p14:creationId xmlns:p14="http://schemas.microsoft.com/office/powerpoint/2010/main" val="133754424"/>
       </p:ext>
     </p:extLst>
   </p:cSld>
